--- a/ImProc/Img/1_Prezentáció.pptx
+++ b/ImProc/Img/1_Prezentáció.pptx
@@ -8,6 +8,9 @@
     <p:sldId id="256" r:id="rId2"/>
     <p:sldId id="257" r:id="rId3"/>
     <p:sldId id="258" r:id="rId4"/>
+    <p:sldId id="259" r:id="rId5"/>
+    <p:sldId id="260" r:id="rId6"/>
+    <p:sldId id="261" r:id="rId7"/>
   </p:sldIdLst>
   <p:sldSz cx="9144000" cy="6858000" type="screen4x3"/>
   <p:notesSz cx="6858000" cy="9144000"/>
@@ -3949,7 +3952,7 @@
           <a:p>
             <a:pPr lvl="1"/>
             <a:r>
-              <a:rPr lang="hu-HU" smtClean="0"/>
+              <a:rPr lang="hu-HU" dirty="0" smtClean="0"/>
               <a:t>Algoritmus választás</a:t>
             </a:r>
             <a:endParaRPr lang="hu-HU" dirty="0"/>
@@ -3973,12 +3976,42 @@
           <a:p>
             <a:r>
               <a:rPr lang="hu-HU" dirty="0" smtClean="0"/>
-              <a:t>A feladat</a:t>
+              <a:t>feladat</a:t>
             </a:r>
             <a:endParaRPr lang="hu-HU" dirty="0"/>
           </a:p>
         </p:txBody>
       </p:sp>
+      <p:pic>
+        <p:nvPicPr>
+          <p:cNvPr id="4" name="Picture 3"/>
+          <p:cNvPicPr>
+            <a:picLocks noChangeAspect="1"/>
+          </p:cNvPicPr>
+          <p:nvPr/>
+        </p:nvPicPr>
+        <p:blipFill>
+          <a:blip r:embed="rId2" cstate="print">
+            <a:extLst>
+              <a:ext uri="{28A0092B-C50C-407E-A947-70E740481C1C}">
+                <a14:useLocalDpi xmlns:a14="http://schemas.microsoft.com/office/drawing/2010/main" val="0"/>
+              </a:ext>
+            </a:extLst>
+          </a:blip>
+          <a:stretch>
+            <a:fillRect/>
+          </a:stretch>
+        </p:blipFill>
+        <p:spPr>
+          <a:xfrm>
+            <a:off x="6300192" y="2204864"/>
+            <a:ext cx="2745531" cy="4508388"/>
+          </a:xfrm>
+          <a:prstGeom prst="rect">
+            <a:avLst/>
+          </a:prstGeom>
+        </p:spPr>
+      </p:pic>
     </p:spTree>
     <p:extLst>
       <p:ext uri="{BB962C8B-B14F-4D97-AF65-F5344CB8AC3E}">
@@ -4024,7 +4057,7 @@
           <a:bodyPr/>
           <a:lstStyle/>
           <a:p>
-            <a:endParaRPr lang="hu-HU"/>
+            <a:endParaRPr lang="hu-HU" dirty="0"/>
           </a:p>
         </p:txBody>
       </p:sp>
@@ -4043,6 +4076,10 @@
           <a:bodyPr/>
           <a:lstStyle/>
           <a:p>
+            <a:r>
+              <a:rPr lang="hu-HU" dirty="0" smtClean="0"/>
+              <a:t>A programról</a:t>
+            </a:r>
             <a:endParaRPr lang="hu-HU" dirty="0"/>
           </a:p>
         </p:txBody>
@@ -4051,6 +4088,228 @@
     <p:extLst>
       <p:ext uri="{BB962C8B-B14F-4D97-AF65-F5344CB8AC3E}">
         <p14:creationId xmlns:p14="http://schemas.microsoft.com/office/powerpoint/2010/main" val="3546478610"/>
+      </p:ext>
+    </p:extLst>
+  </p:cSld>
+  <p:clrMapOvr>
+    <a:masterClrMapping/>
+  </p:clrMapOvr>
+</p:sld>
+</file>
+
+<file path=ppt/slides/slide4.xml><?xml version="1.0" encoding="utf-8"?>
+<p:sld xmlns:a="http://schemas.openxmlformats.org/drawingml/2006/main" xmlns:r="http://schemas.openxmlformats.org/officeDocument/2006/relationships" xmlns:p="http://schemas.openxmlformats.org/presentationml/2006/main">
+  <p:cSld>
+    <p:spTree>
+      <p:nvGrpSpPr>
+        <p:cNvPr id="1" name=""/>
+        <p:cNvGrpSpPr/>
+        <p:nvPr/>
+      </p:nvGrpSpPr>
+      <p:grpSpPr>
+        <a:xfrm>
+          <a:off x="0" y="0"/>
+          <a:ext cx="0" cy="0"/>
+          <a:chOff x="0" y="0"/>
+          <a:chExt cx="0" cy="0"/>
+        </a:xfrm>
+      </p:grpSpPr>
+      <p:sp>
+        <p:nvSpPr>
+          <p:cNvPr id="2" name="Content Placeholder 1"/>
+          <p:cNvSpPr>
+            <a:spLocks noGrp="1"/>
+          </p:cNvSpPr>
+          <p:nvPr>
+            <p:ph idx="1"/>
+          </p:nvPr>
+        </p:nvSpPr>
+        <p:spPr/>
+        <p:txBody>
+          <a:bodyPr/>
+          <a:lstStyle/>
+          <a:p>
+            <a:r>
+              <a:rPr lang="hu-HU" dirty="0" smtClean="0"/>
+              <a:t>Swingben készült</a:t>
+            </a:r>
+          </a:p>
+          <a:p>
+            <a:endParaRPr lang="hu-HU" dirty="0"/>
+          </a:p>
+        </p:txBody>
+      </p:sp>
+      <p:sp>
+        <p:nvSpPr>
+          <p:cNvPr id="3" name="Title 2"/>
+          <p:cNvSpPr>
+            <a:spLocks noGrp="1"/>
+          </p:cNvSpPr>
+          <p:nvPr>
+            <p:ph type="title"/>
+          </p:nvPr>
+        </p:nvSpPr>
+        <p:spPr/>
+        <p:txBody>
+          <a:bodyPr/>
+          <a:lstStyle/>
+          <a:p>
+            <a:r>
+              <a:rPr lang="hu-HU" dirty="0" smtClean="0"/>
+              <a:t>grafikus felület</a:t>
+            </a:r>
+            <a:endParaRPr lang="hu-HU" dirty="0"/>
+          </a:p>
+        </p:txBody>
+      </p:sp>
+    </p:spTree>
+    <p:extLst>
+      <p:ext uri="{BB962C8B-B14F-4D97-AF65-F5344CB8AC3E}">
+        <p14:creationId xmlns:p14="http://schemas.microsoft.com/office/powerpoint/2010/main" val="1690814174"/>
+      </p:ext>
+    </p:extLst>
+  </p:cSld>
+  <p:clrMapOvr>
+    <a:masterClrMapping/>
+  </p:clrMapOvr>
+</p:sld>
+</file>
+
+<file path=ppt/slides/slide5.xml><?xml version="1.0" encoding="utf-8"?>
+<p:sld xmlns:a="http://schemas.openxmlformats.org/drawingml/2006/main" xmlns:r="http://schemas.openxmlformats.org/officeDocument/2006/relationships" xmlns:p="http://schemas.openxmlformats.org/presentationml/2006/main">
+  <p:cSld>
+    <p:spTree>
+      <p:nvGrpSpPr>
+        <p:cNvPr id="1" name=""/>
+        <p:cNvGrpSpPr/>
+        <p:nvPr/>
+      </p:nvGrpSpPr>
+      <p:grpSpPr>
+        <a:xfrm>
+          <a:off x="0" y="0"/>
+          <a:ext cx="0" cy="0"/>
+          <a:chOff x="0" y="0"/>
+          <a:chExt cx="0" cy="0"/>
+        </a:xfrm>
+      </p:grpSpPr>
+      <p:sp>
+        <p:nvSpPr>
+          <p:cNvPr id="2" name="Content Placeholder 1"/>
+          <p:cNvSpPr>
+            <a:spLocks noGrp="1"/>
+          </p:cNvSpPr>
+          <p:nvPr>
+            <p:ph idx="1"/>
+          </p:nvPr>
+        </p:nvSpPr>
+        <p:spPr/>
+        <p:txBody>
+          <a:bodyPr/>
+          <a:lstStyle/>
+          <a:p>
+            <a:endParaRPr lang="hu-HU"/>
+          </a:p>
+        </p:txBody>
+      </p:sp>
+      <p:sp>
+        <p:nvSpPr>
+          <p:cNvPr id="3" name="Title 2"/>
+          <p:cNvSpPr>
+            <a:spLocks noGrp="1"/>
+          </p:cNvSpPr>
+          <p:nvPr>
+            <p:ph type="title"/>
+          </p:nvPr>
+        </p:nvSpPr>
+        <p:spPr/>
+        <p:txBody>
+          <a:bodyPr/>
+          <a:lstStyle/>
+          <a:p>
+            <a:r>
+              <a:rPr lang="hu-HU" dirty="0" smtClean="0"/>
+              <a:t>Összegzés</a:t>
+            </a:r>
+            <a:endParaRPr lang="hu-HU" dirty="0"/>
+          </a:p>
+        </p:txBody>
+      </p:sp>
+    </p:spTree>
+    <p:extLst>
+      <p:ext uri="{BB962C8B-B14F-4D97-AF65-F5344CB8AC3E}">
+        <p14:creationId xmlns:p14="http://schemas.microsoft.com/office/powerpoint/2010/main" val="1966524369"/>
+      </p:ext>
+    </p:extLst>
+  </p:cSld>
+  <p:clrMapOvr>
+    <a:masterClrMapping/>
+  </p:clrMapOvr>
+</p:sld>
+</file>
+
+<file path=ppt/slides/slide6.xml><?xml version="1.0" encoding="utf-8"?>
+<p:sld xmlns:a="http://schemas.openxmlformats.org/drawingml/2006/main" xmlns:r="http://schemas.openxmlformats.org/officeDocument/2006/relationships" xmlns:p="http://schemas.openxmlformats.org/presentationml/2006/main">
+  <p:cSld>
+    <p:spTree>
+      <p:nvGrpSpPr>
+        <p:cNvPr id="1" name=""/>
+        <p:cNvGrpSpPr/>
+        <p:nvPr/>
+      </p:nvGrpSpPr>
+      <p:grpSpPr>
+        <a:xfrm>
+          <a:off x="0" y="0"/>
+          <a:ext cx="0" cy="0"/>
+          <a:chOff x="0" y="0"/>
+          <a:chExt cx="0" cy="0"/>
+        </a:xfrm>
+      </p:grpSpPr>
+      <p:sp>
+        <p:nvSpPr>
+          <p:cNvPr id="2" name="Content Placeholder 1"/>
+          <p:cNvSpPr>
+            <a:spLocks noGrp="1"/>
+          </p:cNvSpPr>
+          <p:nvPr>
+            <p:ph idx="1"/>
+          </p:nvPr>
+        </p:nvSpPr>
+        <p:spPr/>
+        <p:txBody>
+          <a:bodyPr/>
+          <a:lstStyle/>
+          <a:p>
+            <a:endParaRPr lang="hu-HU"/>
+          </a:p>
+        </p:txBody>
+      </p:sp>
+      <p:sp>
+        <p:nvSpPr>
+          <p:cNvPr id="3" name="Title 2"/>
+          <p:cNvSpPr>
+            <a:spLocks noGrp="1"/>
+          </p:cNvSpPr>
+          <p:nvPr>
+            <p:ph type="title"/>
+          </p:nvPr>
+        </p:nvSpPr>
+        <p:spPr/>
+        <p:txBody>
+          <a:bodyPr/>
+          <a:lstStyle/>
+          <a:p>
+            <a:r>
+              <a:rPr lang="hu-HU" dirty="0" smtClean="0"/>
+              <a:t>Köszönjük a figyelmet!</a:t>
+            </a:r>
+            <a:endParaRPr lang="hu-HU" dirty="0"/>
+          </a:p>
+        </p:txBody>
+      </p:sp>
+    </p:spTree>
+    <p:extLst>
+      <p:ext uri="{BB962C8B-B14F-4D97-AF65-F5344CB8AC3E}">
+        <p14:creationId xmlns:p14="http://schemas.microsoft.com/office/powerpoint/2010/main" val="910561984"/>
       </p:ext>
     </p:extLst>
   </p:cSld>

--- a/ImProc/Img/1_Prezentáció.pptx
+++ b/ImProc/Img/1_Prezentáció.pptx
@@ -4057,6 +4057,10 @@
           <a:bodyPr/>
           <a:lstStyle/>
           <a:p>
+            <a:r>
+              <a:rPr lang="hu-HU" dirty="0" smtClean="0"/>
+              <a:t>C++ backend Java frontenddel</a:t>
+            </a:r>
             <a:endParaRPr lang="hu-HU" dirty="0"/>
           </a:p>
         </p:txBody>
@@ -4135,6 +4139,79 @@
             </a:r>
           </a:p>
           <a:p>
+            <a:r>
+              <a:rPr lang="hu-HU" dirty="0" smtClean="0"/>
+              <a:t>Komponensei:</a:t>
+            </a:r>
+          </a:p>
+          <a:p>
+            <a:pPr lvl="1"/>
+            <a:r>
+              <a:rPr lang="hu-HU" dirty="0" smtClean="0"/>
+              <a:t>Tartalom méretétől függő nagyságú JFrame</a:t>
+            </a:r>
+          </a:p>
+          <a:p>
+            <a:pPr lvl="2"/>
+            <a:r>
+              <a:rPr lang="hu-HU" dirty="0" smtClean="0"/>
+              <a:t>Mindig a képernyő közepén van</a:t>
+            </a:r>
+            <a:endParaRPr lang="hu-HU" dirty="0"/>
+          </a:p>
+          <a:p>
+            <a:pPr lvl="1"/>
+            <a:r>
+              <a:rPr lang="hu-HU" dirty="0" smtClean="0"/>
+              <a:t>Gomb, ami kattintásra egy JFileChooser-t hoz fel</a:t>
+            </a:r>
+          </a:p>
+          <a:p>
+            <a:pPr lvl="2"/>
+            <a:r>
+              <a:rPr lang="hu-HU" dirty="0" smtClean="0"/>
+              <a:t>Csak képek nyithatók meg vele</a:t>
+            </a:r>
+          </a:p>
+          <a:p>
+            <a:pPr lvl="2"/>
+            <a:r>
+              <a:rPr lang="hu-HU" dirty="0" smtClean="0"/>
+              <a:t>Ad egy thumbnailt a kiválasztott képről</a:t>
+            </a:r>
+            <a:endParaRPr lang="hu-HU" dirty="0"/>
+          </a:p>
+          <a:p>
+            <a:pPr lvl="1"/>
+            <a:r>
+              <a:rPr lang="hu-HU" dirty="0" smtClean="0"/>
+              <a:t>Két JTextField: betűméret, sortávolság</a:t>
+            </a:r>
+          </a:p>
+          <a:p>
+            <a:pPr lvl="2"/>
+            <a:r>
+              <a:rPr lang="hu-HU" dirty="0" smtClean="0"/>
+              <a:t>Az algoritmusokat paraméterezik</a:t>
+            </a:r>
+          </a:p>
+          <a:p>
+            <a:pPr lvl="1"/>
+            <a:endParaRPr lang="hu-HU" dirty="0" smtClean="0"/>
+          </a:p>
+          <a:p>
+            <a:pPr lvl="1"/>
+            <a:r>
+              <a:rPr lang="hu-HU" dirty="0" smtClean="0"/>
+              <a:t>Két JScrollPane</a:t>
+            </a:r>
+          </a:p>
+          <a:p>
+            <a:pPr lvl="2"/>
+            <a:r>
+              <a:rPr lang="hu-HU" dirty="0" smtClean="0"/>
+              <a:t>Az eredeti és az eredményképek megjelenítésére</a:t>
+            </a:r>
             <a:endParaRPr lang="hu-HU" dirty="0"/>
           </a:p>
         </p:txBody>
@@ -4279,7 +4356,7 @@
           <a:bodyPr/>
           <a:lstStyle/>
           <a:p>
-            <a:endParaRPr lang="hu-HU"/>
+            <a:endParaRPr lang="hu-HU" dirty="0"/>
           </a:p>
         </p:txBody>
       </p:sp>

--- a/ImProc/Img/1_Prezentáció.pptx
+++ b/ImProc/Img/1_Prezentáció.pptx
@@ -8,9 +8,10 @@
     <p:sldId id="256" r:id="rId2"/>
     <p:sldId id="257" r:id="rId3"/>
     <p:sldId id="258" r:id="rId4"/>
-    <p:sldId id="259" r:id="rId5"/>
-    <p:sldId id="260" r:id="rId6"/>
-    <p:sldId id="261" r:id="rId7"/>
+    <p:sldId id="262" r:id="rId5"/>
+    <p:sldId id="259" r:id="rId6"/>
+    <p:sldId id="260" r:id="rId7"/>
+    <p:sldId id="261" r:id="rId8"/>
   </p:sldIdLst>
   <p:sldSz cx="9144000" cy="6858000" type="screen4x3"/>
   <p:notesSz cx="6858000" cy="9144000"/>
@@ -4063,6 +4064,88 @@
             </a:r>
             <a:endParaRPr lang="hu-HU" dirty="0"/>
           </a:p>
+          <a:p>
+            <a:pPr lvl="1"/>
+            <a:r>
+              <a:rPr lang="hu-HU" dirty="0" smtClean="0"/>
+              <a:t>A kép kiválasztása után a Java GUI meghívja a backend .exe-jét</a:t>
+            </a:r>
+          </a:p>
+          <a:p>
+            <a:pPr lvl="1"/>
+            <a:r>
+              <a:rPr lang="hu-HU" dirty="0" smtClean="0"/>
+              <a:t>Parancssori paraméterekkel</a:t>
+            </a:r>
+          </a:p>
+          <a:p>
+            <a:pPr marL="982980" lvl="2" indent="-342900">
+              <a:buFont typeface="+mj-lt"/>
+              <a:buAutoNum type="arabicPeriod"/>
+            </a:pPr>
+            <a:r>
+              <a:rPr lang="hu-HU" dirty="0" smtClean="0"/>
+              <a:t>A fájl helye (abszolút útvonal)</a:t>
+            </a:r>
+          </a:p>
+          <a:p>
+            <a:pPr marL="982980" lvl="2" indent="-342900">
+              <a:buFont typeface="+mj-lt"/>
+              <a:buAutoNum type="arabicPeriod"/>
+            </a:pPr>
+            <a:r>
+              <a:rPr lang="hu-HU" dirty="0" smtClean="0"/>
+              <a:t>A kiválasztott algoritmus</a:t>
+            </a:r>
+          </a:p>
+          <a:p>
+            <a:pPr marL="982980" lvl="2" indent="-342900">
+              <a:buFont typeface="+mj-lt"/>
+              <a:buAutoNum type="arabicPeriod"/>
+            </a:pPr>
+            <a:r>
+              <a:rPr lang="hu-HU" dirty="0" smtClean="0"/>
+              <a:t>Betűméret</a:t>
+            </a:r>
+          </a:p>
+          <a:p>
+            <a:pPr marL="982980" lvl="2" indent="-342900">
+              <a:buFont typeface="+mj-lt"/>
+              <a:buAutoNum type="arabicPeriod"/>
+            </a:pPr>
+            <a:r>
+              <a:rPr lang="hu-HU" dirty="0" smtClean="0"/>
+              <a:t>Sortávolság</a:t>
+            </a:r>
+          </a:p>
+          <a:p>
+            <a:pPr marL="982980" lvl="2" indent="-342900">
+              <a:buFont typeface="+mj-lt"/>
+              <a:buAutoNum type="arabicPeriod"/>
+            </a:pPr>
+            <a:endParaRPr lang="hu-HU" dirty="0"/>
+          </a:p>
+          <a:p>
+            <a:pPr lvl="1"/>
+            <a:r>
+              <a:rPr lang="hu-HU" dirty="0" smtClean="0"/>
+              <a:t>Az .exe futása után pedig megnyitja az eredményképet, és megjeleníti</a:t>
+            </a:r>
+            <a:endParaRPr lang="hu-HU" dirty="0"/>
+          </a:p>
+          <a:p>
+            <a:r>
+              <a:rPr lang="hu-HU" dirty="0" smtClean="0"/>
+              <a:t>Különbféle képfeldolgozó algoritmusok</a:t>
+            </a:r>
+          </a:p>
+          <a:p>
+            <a:pPr lvl="1"/>
+            <a:endParaRPr lang="hu-HU" dirty="0"/>
+          </a:p>
+          <a:p>
+            <a:endParaRPr lang="hu-HU" dirty="0" smtClean="0"/>
+          </a:p>
         </p:txBody>
       </p:sp>
       <p:sp>
@@ -4133,107 +4216,28 @@
           <a:bodyPr/>
           <a:lstStyle/>
           <a:p>
+            <a:endParaRPr lang="hu-HU"/>
+          </a:p>
+        </p:txBody>
+      </p:sp>
+      <p:sp>
+        <p:nvSpPr>
+          <p:cNvPr id="3" name="Title 2"/>
+          <p:cNvSpPr>
+            <a:spLocks noGrp="1"/>
+          </p:cNvSpPr>
+          <p:nvPr>
+            <p:ph type="title"/>
+          </p:nvPr>
+        </p:nvSpPr>
+        <p:spPr/>
+        <p:txBody>
+          <a:bodyPr/>
+          <a:lstStyle/>
+          <a:p>
             <a:r>
               <a:rPr lang="hu-HU" dirty="0" smtClean="0"/>
-              <a:t>Swingben készült</a:t>
-            </a:r>
-          </a:p>
-          <a:p>
-            <a:r>
-              <a:rPr lang="hu-HU" dirty="0" smtClean="0"/>
-              <a:t>Komponensei:</a:t>
-            </a:r>
-          </a:p>
-          <a:p>
-            <a:pPr lvl="1"/>
-            <a:r>
-              <a:rPr lang="hu-HU" dirty="0" smtClean="0"/>
-              <a:t>Tartalom méretétől függő nagyságú JFrame</a:t>
-            </a:r>
-          </a:p>
-          <a:p>
-            <a:pPr lvl="2"/>
-            <a:r>
-              <a:rPr lang="hu-HU" dirty="0" smtClean="0"/>
-              <a:t>Mindig a képernyő közepén van</a:t>
-            </a:r>
-            <a:endParaRPr lang="hu-HU" dirty="0"/>
-          </a:p>
-          <a:p>
-            <a:pPr lvl="1"/>
-            <a:r>
-              <a:rPr lang="hu-HU" dirty="0" smtClean="0"/>
-              <a:t>Gomb, ami kattintásra egy JFileChooser-t hoz fel</a:t>
-            </a:r>
-          </a:p>
-          <a:p>
-            <a:pPr lvl="2"/>
-            <a:r>
-              <a:rPr lang="hu-HU" dirty="0" smtClean="0"/>
-              <a:t>Csak képek nyithatók meg vele</a:t>
-            </a:r>
-          </a:p>
-          <a:p>
-            <a:pPr lvl="2"/>
-            <a:r>
-              <a:rPr lang="hu-HU" dirty="0" smtClean="0"/>
-              <a:t>Ad egy thumbnailt a kiválasztott képről</a:t>
-            </a:r>
-            <a:endParaRPr lang="hu-HU" dirty="0"/>
-          </a:p>
-          <a:p>
-            <a:pPr lvl="1"/>
-            <a:r>
-              <a:rPr lang="hu-HU" dirty="0" smtClean="0"/>
-              <a:t>Két JTextField: betűméret, sortávolság</a:t>
-            </a:r>
-          </a:p>
-          <a:p>
-            <a:pPr lvl="2"/>
-            <a:r>
-              <a:rPr lang="hu-HU" dirty="0" smtClean="0"/>
-              <a:t>Az algoritmusokat paraméterezik</a:t>
-            </a:r>
-          </a:p>
-          <a:p>
-            <a:pPr lvl="1"/>
-            <a:endParaRPr lang="hu-HU" dirty="0" smtClean="0"/>
-          </a:p>
-          <a:p>
-            <a:pPr lvl="1"/>
-            <a:r>
-              <a:rPr lang="hu-HU" dirty="0" smtClean="0"/>
-              <a:t>Két JScrollPane</a:t>
-            </a:r>
-          </a:p>
-          <a:p>
-            <a:pPr lvl="2"/>
-            <a:r>
-              <a:rPr lang="hu-HU" dirty="0" smtClean="0"/>
-              <a:t>Az eredeti és az eredményképek megjelenítésére</a:t>
-            </a:r>
-            <a:endParaRPr lang="hu-HU" dirty="0"/>
-          </a:p>
-        </p:txBody>
-      </p:sp>
-      <p:sp>
-        <p:nvSpPr>
-          <p:cNvPr id="3" name="Title 2"/>
-          <p:cNvSpPr>
-            <a:spLocks noGrp="1"/>
-          </p:cNvSpPr>
-          <p:nvPr>
-            <p:ph type="title"/>
-          </p:nvPr>
-        </p:nvSpPr>
-        <p:spPr/>
-        <p:txBody>
-          <a:bodyPr/>
-          <a:lstStyle/>
-          <a:p>
-            <a:r>
-              <a:rPr lang="hu-HU" dirty="0" smtClean="0"/>
-              <a:t>grafikus felület</a:t>
+              <a:t>Algoritmusok</a:t>
             </a:r>
             <a:endParaRPr lang="hu-HU" dirty="0"/>
           </a:p>
@@ -4242,7 +4246,7 @@
     </p:spTree>
     <p:extLst>
       <p:ext uri="{BB962C8B-B14F-4D97-AF65-F5344CB8AC3E}">
-        <p14:creationId xmlns:p14="http://schemas.microsoft.com/office/powerpoint/2010/main" val="1690814174"/>
+        <p14:creationId xmlns:p14="http://schemas.microsoft.com/office/powerpoint/2010/main" val="2693229677"/>
       </p:ext>
     </p:extLst>
   </p:cSld>
@@ -4284,7 +4288,160 @@
           <a:bodyPr/>
           <a:lstStyle/>
           <a:p>
-            <a:endParaRPr lang="hu-HU"/>
+            <a:r>
+              <a:rPr lang="hu-HU" dirty="0" smtClean="0"/>
+              <a:t>Swingben készült</a:t>
+            </a:r>
+          </a:p>
+          <a:p>
+            <a:r>
+              <a:rPr lang="hu-HU" dirty="0" smtClean="0"/>
+              <a:t>Komponensei:</a:t>
+            </a:r>
+          </a:p>
+          <a:p>
+            <a:pPr lvl="1"/>
+            <a:r>
+              <a:rPr lang="hu-HU" dirty="0" smtClean="0"/>
+              <a:t>Tartalom méretétől függő nagyságú JFrame</a:t>
+            </a:r>
+          </a:p>
+          <a:p>
+            <a:pPr lvl="2"/>
+            <a:r>
+              <a:rPr lang="hu-HU" dirty="0" smtClean="0"/>
+              <a:t>Mindig a képernyő közepén van</a:t>
+            </a:r>
+            <a:endParaRPr lang="hu-HU" dirty="0"/>
+          </a:p>
+          <a:p>
+            <a:pPr lvl="1"/>
+            <a:r>
+              <a:rPr lang="hu-HU" dirty="0" smtClean="0"/>
+              <a:t>Gomb, ami kattintásra egy JFileChooser-t hoz fel</a:t>
+            </a:r>
+          </a:p>
+          <a:p>
+            <a:pPr lvl="2"/>
+            <a:r>
+              <a:rPr lang="hu-HU" dirty="0" smtClean="0"/>
+              <a:t>Csak képek nyithatók meg vele</a:t>
+            </a:r>
+          </a:p>
+          <a:p>
+            <a:pPr lvl="2"/>
+            <a:r>
+              <a:rPr lang="hu-HU" dirty="0" smtClean="0"/>
+              <a:t>Ad egy thumbnailt a kiválasztott képről</a:t>
+            </a:r>
+            <a:endParaRPr lang="hu-HU" dirty="0"/>
+          </a:p>
+          <a:p>
+            <a:pPr lvl="1"/>
+            <a:r>
+              <a:rPr lang="hu-HU" dirty="0" smtClean="0"/>
+              <a:t>JComboBox, amivel az algoritmust választhatjuk ki</a:t>
+            </a:r>
+          </a:p>
+          <a:p>
+            <a:pPr lvl="1"/>
+            <a:r>
+              <a:rPr lang="hu-HU" dirty="0" smtClean="0"/>
+              <a:t>Két JTextField: betűméret, sortávolság</a:t>
+            </a:r>
+          </a:p>
+          <a:p>
+            <a:pPr lvl="2"/>
+            <a:r>
+              <a:rPr lang="hu-HU" dirty="0" smtClean="0"/>
+              <a:t>Az algoritmusokat paraméterezik</a:t>
+            </a:r>
+          </a:p>
+          <a:p>
+            <a:pPr lvl="1"/>
+            <a:r>
+              <a:rPr lang="hu-HU" dirty="0" smtClean="0"/>
+              <a:t>Két JScrollPane</a:t>
+            </a:r>
+          </a:p>
+          <a:p>
+            <a:pPr lvl="2"/>
+            <a:r>
+              <a:rPr lang="hu-HU" dirty="0" smtClean="0"/>
+              <a:t>Az eredeti és az eredményképek megjelenítésére</a:t>
+            </a:r>
+          </a:p>
+        </p:txBody>
+      </p:sp>
+      <p:sp>
+        <p:nvSpPr>
+          <p:cNvPr id="3" name="Title 2"/>
+          <p:cNvSpPr>
+            <a:spLocks noGrp="1"/>
+          </p:cNvSpPr>
+          <p:nvPr>
+            <p:ph type="title"/>
+          </p:nvPr>
+        </p:nvSpPr>
+        <p:spPr/>
+        <p:txBody>
+          <a:bodyPr/>
+          <a:lstStyle/>
+          <a:p>
+            <a:r>
+              <a:rPr lang="hu-HU" dirty="0" smtClean="0"/>
+              <a:t>grafikus felület</a:t>
+            </a:r>
+            <a:endParaRPr lang="hu-HU" dirty="0"/>
+          </a:p>
+        </p:txBody>
+      </p:sp>
+    </p:spTree>
+    <p:extLst>
+      <p:ext uri="{BB962C8B-B14F-4D97-AF65-F5344CB8AC3E}">
+        <p14:creationId xmlns:p14="http://schemas.microsoft.com/office/powerpoint/2010/main" val="1690814174"/>
+      </p:ext>
+    </p:extLst>
+  </p:cSld>
+  <p:clrMapOvr>
+    <a:masterClrMapping/>
+  </p:clrMapOvr>
+</p:sld>
+</file>
+
+<file path=ppt/slides/slide6.xml><?xml version="1.0" encoding="utf-8"?>
+<p:sld xmlns:a="http://schemas.openxmlformats.org/drawingml/2006/main" xmlns:r="http://schemas.openxmlformats.org/officeDocument/2006/relationships" xmlns:p="http://schemas.openxmlformats.org/presentationml/2006/main">
+  <p:cSld>
+    <p:spTree>
+      <p:nvGrpSpPr>
+        <p:cNvPr id="1" name=""/>
+        <p:cNvGrpSpPr/>
+        <p:nvPr/>
+      </p:nvGrpSpPr>
+      <p:grpSpPr>
+        <a:xfrm>
+          <a:off x="0" y="0"/>
+          <a:ext cx="0" cy="0"/>
+          <a:chOff x="0" y="0"/>
+          <a:chExt cx="0" cy="0"/>
+        </a:xfrm>
+      </p:grpSpPr>
+      <p:sp>
+        <p:nvSpPr>
+          <p:cNvPr id="2" name="Content Placeholder 1"/>
+          <p:cNvSpPr>
+            <a:spLocks noGrp="1"/>
+          </p:cNvSpPr>
+          <p:nvPr>
+            <p:ph idx="1"/>
+          </p:nvPr>
+        </p:nvSpPr>
+        <p:spPr/>
+        <p:txBody>
+          <a:bodyPr/>
+          <a:lstStyle/>
+          <a:p>
+            <a:endParaRPr lang="hu-HU" dirty="0"/>
           </a:p>
         </p:txBody>
       </p:sp>
@@ -4324,7 +4481,7 @@
 </p:sld>
 </file>
 
-<file path=ppt/slides/slide6.xml><?xml version="1.0" encoding="utf-8"?>
+<file path=ppt/slides/slide7.xml><?xml version="1.0" encoding="utf-8"?>
 <p:sld xmlns:a="http://schemas.openxmlformats.org/drawingml/2006/main" xmlns:r="http://schemas.openxmlformats.org/officeDocument/2006/relationships" xmlns:p="http://schemas.openxmlformats.org/presentationml/2006/main">
   <p:cSld>
     <p:spTree>

--- a/ImProc/Img/1_Prezentáció.pptx
+++ b/ImProc/Img/1_Prezentáció.pptx
@@ -9,9 +9,13 @@
     <p:sldId id="257" r:id="rId3"/>
     <p:sldId id="258" r:id="rId4"/>
     <p:sldId id="262" r:id="rId5"/>
-    <p:sldId id="259" r:id="rId6"/>
-    <p:sldId id="260" r:id="rId7"/>
-    <p:sldId id="261" r:id="rId8"/>
+    <p:sldId id="263" r:id="rId6"/>
+    <p:sldId id="259" r:id="rId7"/>
+    <p:sldId id="266" r:id="rId8"/>
+    <p:sldId id="264" r:id="rId9"/>
+    <p:sldId id="260" r:id="rId10"/>
+    <p:sldId id="265" r:id="rId11"/>
+    <p:sldId id="261" r:id="rId12"/>
   </p:sldIdLst>
   <p:sldSz cx="9144000" cy="6858000" type="screen4x3"/>
   <p:notesSz cx="6858000" cy="9144000"/>
@@ -366,6 +370,7 @@
           <a:p>
             <a:fld id="{51D64DFD-2CA2-463D-9A80-B31A9A6D6CF7}" type="datetimeFigureOut">
               <a:rPr lang="hu-HU" smtClean="0"/>
+              <a:pPr/>
               <a:t>2016.11.27.</a:t>
             </a:fld>
             <a:endParaRPr lang="hu-HU"/>
@@ -397,6 +402,7 @@
           <a:p>
             <a:fld id="{0B5CF1BE-FF56-4F97-8A34-7FE8714C45F9}" type="slidenum">
               <a:rPr lang="hu-HU" smtClean="0"/>
+              <a:pPr/>
               <a:t>‹#›</a:t>
             </a:fld>
             <a:endParaRPr lang="hu-HU"/>
@@ -579,6 +585,7 @@
           <a:p>
             <a:fld id="{51D64DFD-2CA2-463D-9A80-B31A9A6D6CF7}" type="datetimeFigureOut">
               <a:rPr lang="hu-HU" smtClean="0"/>
+              <a:pPr/>
               <a:t>2016.11.27.</a:t>
             </a:fld>
             <a:endParaRPr lang="hu-HU"/>
@@ -621,6 +628,7 @@
           <a:p>
             <a:fld id="{0B5CF1BE-FF56-4F97-8A34-7FE8714C45F9}" type="slidenum">
               <a:rPr lang="hu-HU" smtClean="0"/>
+              <a:pPr/>
               <a:t>‹#›</a:t>
             </a:fld>
             <a:endParaRPr lang="hu-HU"/>
@@ -846,6 +854,7 @@
           <a:p>
             <a:fld id="{51D64DFD-2CA2-463D-9A80-B31A9A6D6CF7}" type="datetimeFigureOut">
               <a:rPr lang="hu-HU" smtClean="0"/>
+              <a:pPr/>
               <a:t>2016.11.27.</a:t>
             </a:fld>
             <a:endParaRPr lang="hu-HU"/>
@@ -896,6 +905,7 @@
           <a:p>
             <a:fld id="{0B5CF1BE-FF56-4F97-8A34-7FE8714C45F9}" type="slidenum">
               <a:rPr lang="hu-HU" smtClean="0"/>
+              <a:pPr/>
               <a:t>‹#›</a:t>
             </a:fld>
             <a:endParaRPr lang="hu-HU"/>
@@ -996,6 +1006,7 @@
           <a:p>
             <a:fld id="{51D64DFD-2CA2-463D-9A80-B31A9A6D6CF7}" type="datetimeFigureOut">
               <a:rPr lang="hu-HU" smtClean="0"/>
+              <a:pPr/>
               <a:t>2016.11.27.</a:t>
             </a:fld>
             <a:endParaRPr lang="hu-HU"/>
@@ -1038,6 +1049,7 @@
           <a:p>
             <a:fld id="{0B5CF1BE-FF56-4F97-8A34-7FE8714C45F9}" type="slidenum">
               <a:rPr lang="hu-HU" smtClean="0"/>
+              <a:pPr/>
               <a:t>‹#›</a:t>
             </a:fld>
             <a:endParaRPr lang="hu-HU"/>
@@ -1326,6 +1338,7 @@
           <a:p>
             <a:fld id="{51D64DFD-2CA2-463D-9A80-B31A9A6D6CF7}" type="datetimeFigureOut">
               <a:rPr lang="hu-HU" smtClean="0"/>
+              <a:pPr/>
               <a:t>2016.11.27.</a:t>
             </a:fld>
             <a:endParaRPr lang="hu-HU"/>
@@ -1357,6 +1370,7 @@
           <a:p>
             <a:fld id="{0B5CF1BE-FF56-4F97-8A34-7FE8714C45F9}" type="slidenum">
               <a:rPr lang="hu-HU" smtClean="0"/>
+              <a:pPr/>
               <a:t>‹#›</a:t>
             </a:fld>
             <a:endParaRPr lang="hu-HU"/>
@@ -1634,6 +1648,7 @@
           <a:p>
             <a:fld id="{51D64DFD-2CA2-463D-9A80-B31A9A6D6CF7}" type="datetimeFigureOut">
               <a:rPr lang="hu-HU" smtClean="0"/>
+              <a:pPr/>
               <a:t>2016.11.27.</a:t>
             </a:fld>
             <a:endParaRPr lang="hu-HU"/>
@@ -1676,6 +1691,7 @@
           <a:p>
             <a:fld id="{0B5CF1BE-FF56-4F97-8A34-7FE8714C45F9}" type="slidenum">
               <a:rPr lang="hu-HU" smtClean="0"/>
+              <a:pPr/>
               <a:t>‹#›</a:t>
             </a:fld>
             <a:endParaRPr lang="hu-HU"/>
@@ -2055,6 +2071,7 @@
           <a:p>
             <a:fld id="{51D64DFD-2CA2-463D-9A80-B31A9A6D6CF7}" type="datetimeFigureOut">
               <a:rPr lang="hu-HU" smtClean="0"/>
+              <a:pPr/>
               <a:t>2016.11.27.</a:t>
             </a:fld>
             <a:endParaRPr lang="hu-HU"/>
@@ -2097,6 +2114,7 @@
           <a:p>
             <a:fld id="{0B5CF1BE-FF56-4F97-8A34-7FE8714C45F9}" type="slidenum">
               <a:rPr lang="hu-HU" smtClean="0"/>
+              <a:pPr/>
               <a:t>‹#›</a:t>
             </a:fld>
             <a:endParaRPr lang="hu-HU"/>
@@ -2168,6 +2186,7 @@
           <a:p>
             <a:fld id="{51D64DFD-2CA2-463D-9A80-B31A9A6D6CF7}" type="datetimeFigureOut">
               <a:rPr lang="hu-HU" smtClean="0"/>
+              <a:pPr/>
               <a:t>2016.11.27.</a:t>
             </a:fld>
             <a:endParaRPr lang="hu-HU"/>
@@ -2210,6 +2229,7 @@
           <a:p>
             <a:fld id="{0B5CF1BE-FF56-4F97-8A34-7FE8714C45F9}" type="slidenum">
               <a:rPr lang="hu-HU" smtClean="0"/>
+              <a:pPr/>
               <a:t>‹#›</a:t>
             </a:fld>
             <a:endParaRPr lang="hu-HU"/>
@@ -2327,6 +2347,7 @@
           <a:p>
             <a:fld id="{51D64DFD-2CA2-463D-9A80-B31A9A6D6CF7}" type="datetimeFigureOut">
               <a:rPr lang="hu-HU" smtClean="0"/>
+              <a:pPr/>
               <a:t>2016.11.27.</a:t>
             </a:fld>
             <a:endParaRPr lang="hu-HU"/>
@@ -2369,6 +2390,7 @@
           <a:p>
             <a:fld id="{0B5CF1BE-FF56-4F97-8A34-7FE8714C45F9}" type="slidenum">
               <a:rPr lang="hu-HU" smtClean="0"/>
+              <a:pPr/>
               <a:t>‹#›</a:t>
             </a:fld>
             <a:endParaRPr lang="hu-HU"/>
@@ -2711,6 +2733,7 @@
           <a:p>
             <a:fld id="{51D64DFD-2CA2-463D-9A80-B31A9A6D6CF7}" type="datetimeFigureOut">
               <a:rPr lang="hu-HU" smtClean="0"/>
+              <a:pPr/>
               <a:t>2016.11.27.</a:t>
             </a:fld>
             <a:endParaRPr lang="hu-HU"/>
@@ -2765,6 +2788,7 @@
           <a:p>
             <a:fld id="{0B5CF1BE-FF56-4F97-8A34-7FE8714C45F9}" type="slidenum">
               <a:rPr lang="hu-HU" smtClean="0"/>
+              <a:pPr/>
               <a:t>‹#›</a:t>
             </a:fld>
             <a:endParaRPr lang="hu-HU"/>
@@ -3073,6 +3097,7 @@
           <a:p>
             <a:fld id="{51D64DFD-2CA2-463D-9A80-B31A9A6D6CF7}" type="datetimeFigureOut">
               <a:rPr lang="hu-HU" smtClean="0"/>
+              <a:pPr/>
               <a:t>2016.11.27.</a:t>
             </a:fld>
             <a:endParaRPr lang="hu-HU"/>
@@ -3115,6 +3140,7 @@
           <a:p>
             <a:fld id="{0B5CF1BE-FF56-4F97-8A34-7FE8714C45F9}" type="slidenum">
               <a:rPr lang="hu-HU" smtClean="0"/>
+              <a:pPr/>
               <a:t>‹#›</a:t>
             </a:fld>
             <a:endParaRPr lang="hu-HU"/>
@@ -3407,6 +3433,7 @@
           <a:p>
             <a:fld id="{51D64DFD-2CA2-463D-9A80-B31A9A6D6CF7}" type="datetimeFigureOut">
               <a:rPr lang="hu-HU" smtClean="0"/>
+              <a:pPr/>
               <a:t>2016.11.27.</a:t>
             </a:fld>
             <a:endParaRPr lang="hu-HU"/>
@@ -3484,6 +3511,7 @@
           <a:p>
             <a:fld id="{0B5CF1BE-FF56-4F97-8A34-7FE8714C45F9}" type="slidenum">
               <a:rPr lang="hu-HU" smtClean="0"/>
+              <a:pPr/>
               <a:t>‹#›</a:t>
             </a:fld>
             <a:endParaRPr lang="hu-HU"/>
@@ -3863,7 +3891,150 @@
     </p:spTree>
     <p:extLst>
       <p:ext uri="{BB962C8B-B14F-4D97-AF65-F5344CB8AC3E}">
-        <p14:creationId xmlns:p14="http://schemas.microsoft.com/office/powerpoint/2010/main" val="3937558790"/>
+        <p14:creationId xmlns:p14="http://schemas.microsoft.com/office/powerpoint/2010/main" xmlns="" val="3937558790"/>
+      </p:ext>
+    </p:extLst>
+  </p:cSld>
+  <p:clrMapOvr>
+    <a:masterClrMapping/>
+  </p:clrMapOvr>
+</p:sld>
+</file>
+
+<file path=ppt/slides/slide10.xml><?xml version="1.0" encoding="utf-8"?>
+<p:sld xmlns:a="http://schemas.openxmlformats.org/drawingml/2006/main" xmlns:r="http://schemas.openxmlformats.org/officeDocument/2006/relationships" xmlns:p="http://schemas.openxmlformats.org/presentationml/2006/main">
+  <p:cSld>
+    <p:spTree>
+      <p:nvGrpSpPr>
+        <p:cNvPr id="1" name=""/>
+        <p:cNvGrpSpPr/>
+        <p:nvPr/>
+      </p:nvGrpSpPr>
+      <p:grpSpPr>
+        <a:xfrm>
+          <a:off x="0" y="0"/>
+          <a:ext cx="0" cy="0"/>
+          <a:chOff x="0" y="0"/>
+          <a:chExt cx="0" cy="0"/>
+        </a:xfrm>
+      </p:grpSpPr>
+      <p:sp>
+        <p:nvSpPr>
+          <p:cNvPr id="2" name="Tartalom helye 1"/>
+          <p:cNvSpPr>
+            <a:spLocks noGrp="1"/>
+          </p:cNvSpPr>
+          <p:nvPr>
+            <p:ph idx="1"/>
+          </p:nvPr>
+        </p:nvSpPr>
+        <p:spPr/>
+        <p:txBody>
+          <a:bodyPr/>
+          <a:lstStyle/>
+          <a:p>
+            <a:r>
+              <a:rPr lang="hu-HU" dirty="0" smtClean="0"/>
+              <a:t>[1] http://upcommons.upc.edu/bitstream/handle/2117/78023/BachelorThesis_AlejandroPerez.pdf?sequence=1</a:t>
+            </a:r>
+            <a:endParaRPr lang="hu-HU" dirty="0"/>
+          </a:p>
+        </p:txBody>
+      </p:sp>
+      <p:sp>
+        <p:nvSpPr>
+          <p:cNvPr id="3" name="Cím 2"/>
+          <p:cNvSpPr>
+            <a:spLocks noGrp="1"/>
+          </p:cNvSpPr>
+          <p:nvPr>
+            <p:ph type="title"/>
+          </p:nvPr>
+        </p:nvSpPr>
+        <p:spPr/>
+        <p:txBody>
+          <a:bodyPr/>
+          <a:lstStyle/>
+          <a:p>
+            <a:r>
+              <a:rPr lang="hu-HU" dirty="0" smtClean="0"/>
+              <a:t>Források</a:t>
+            </a:r>
+            <a:endParaRPr lang="hu-HU" dirty="0"/>
+          </a:p>
+        </p:txBody>
+      </p:sp>
+    </p:spTree>
+  </p:cSld>
+  <p:clrMapOvr>
+    <a:masterClrMapping/>
+  </p:clrMapOvr>
+</p:sld>
+</file>
+
+<file path=ppt/slides/slide11.xml><?xml version="1.0" encoding="utf-8"?>
+<p:sld xmlns:a="http://schemas.openxmlformats.org/drawingml/2006/main" xmlns:r="http://schemas.openxmlformats.org/officeDocument/2006/relationships" xmlns:p="http://schemas.openxmlformats.org/presentationml/2006/main">
+  <p:cSld>
+    <p:spTree>
+      <p:nvGrpSpPr>
+        <p:cNvPr id="1" name=""/>
+        <p:cNvGrpSpPr/>
+        <p:nvPr/>
+      </p:nvGrpSpPr>
+      <p:grpSpPr>
+        <a:xfrm>
+          <a:off x="0" y="0"/>
+          <a:ext cx="0" cy="0"/>
+          <a:chOff x="0" y="0"/>
+          <a:chExt cx="0" cy="0"/>
+        </a:xfrm>
+      </p:grpSpPr>
+      <p:sp>
+        <p:nvSpPr>
+          <p:cNvPr id="2" name="Content Placeholder 1"/>
+          <p:cNvSpPr>
+            <a:spLocks noGrp="1"/>
+          </p:cNvSpPr>
+          <p:nvPr>
+            <p:ph idx="1"/>
+          </p:nvPr>
+        </p:nvSpPr>
+        <p:spPr/>
+        <p:txBody>
+          <a:bodyPr/>
+          <a:lstStyle/>
+          <a:p>
+            <a:endParaRPr lang="hu-HU" dirty="0"/>
+          </a:p>
+        </p:txBody>
+      </p:sp>
+      <p:sp>
+        <p:nvSpPr>
+          <p:cNvPr id="3" name="Title 2"/>
+          <p:cNvSpPr>
+            <a:spLocks noGrp="1"/>
+          </p:cNvSpPr>
+          <p:nvPr>
+            <p:ph type="title"/>
+          </p:nvPr>
+        </p:nvSpPr>
+        <p:spPr/>
+        <p:txBody>
+          <a:bodyPr/>
+          <a:lstStyle/>
+          <a:p>
+            <a:r>
+              <a:rPr lang="hu-HU" dirty="0" smtClean="0"/>
+              <a:t>Köszönjük a figyelmet!</a:t>
+            </a:r>
+            <a:endParaRPr lang="hu-HU" dirty="0"/>
+          </a:p>
+        </p:txBody>
+      </p:sp>
+    </p:spTree>
+    <p:extLst>
+      <p:ext uri="{BB962C8B-B14F-4D97-AF65-F5344CB8AC3E}">
+        <p14:creationId xmlns:p14="http://schemas.microsoft.com/office/powerpoint/2010/main" xmlns="" val="910561984"/>
       </p:ext>
     </p:extLst>
   </p:cSld>
@@ -3995,7 +4166,7 @@
           <a:blip r:embed="rId2" cstate="print">
             <a:extLst>
               <a:ext uri="{28A0092B-C50C-407E-A947-70E740481C1C}">
-                <a14:useLocalDpi xmlns:a14="http://schemas.microsoft.com/office/drawing/2010/main" val="0"/>
+                <a14:useLocalDpi xmlns:a14="http://schemas.microsoft.com/office/drawing/2010/main" xmlns="" val="0"/>
               </a:ext>
             </a:extLst>
           </a:blip>
@@ -4016,7 +4187,7 @@
     </p:spTree>
     <p:extLst>
       <p:ext uri="{BB962C8B-B14F-4D97-AF65-F5344CB8AC3E}">
-        <p14:creationId xmlns:p14="http://schemas.microsoft.com/office/powerpoint/2010/main" val="989370125"/>
+        <p14:creationId xmlns:p14="http://schemas.microsoft.com/office/powerpoint/2010/main" xmlns="" val="989370125"/>
       </p:ext>
     </p:extLst>
   </p:cSld>
@@ -4174,7 +4345,7 @@
     </p:spTree>
     <p:extLst>
       <p:ext uri="{BB962C8B-B14F-4D97-AF65-F5344CB8AC3E}">
-        <p14:creationId xmlns:p14="http://schemas.microsoft.com/office/powerpoint/2010/main" val="3546478610"/>
+        <p14:creationId xmlns:p14="http://schemas.microsoft.com/office/powerpoint/2010/main" xmlns="" val="3546478610"/>
       </p:ext>
     </p:extLst>
   </p:cSld>
@@ -4216,7 +4387,135 @@
           <a:bodyPr/>
           <a:lstStyle/>
           <a:p>
-            <a:endParaRPr lang="hu-HU"/>
+            <a:r>
+              <a:rPr lang="hu-HU" dirty="0" smtClean="0"/>
+              <a:t>Kipróbált algoritmusok:</a:t>
+            </a:r>
+          </a:p>
+          <a:p>
+            <a:pPr lvl="1"/>
+            <a:r>
+              <a:rPr lang="hu-HU" dirty="0" smtClean="0"/>
+              <a:t>MSER: elvetettük</a:t>
+            </a:r>
+          </a:p>
+          <a:p>
+            <a:pPr lvl="1"/>
+            <a:r>
+              <a:rPr lang="hu-HU" dirty="0" err="1" smtClean="0"/>
+              <a:t>Knn</a:t>
+            </a:r>
+            <a:r>
+              <a:rPr lang="hu-HU" dirty="0" smtClean="0"/>
+              <a:t> osztályozás: szintén elvetettük</a:t>
+            </a:r>
+          </a:p>
+          <a:p>
+            <a:r>
+              <a:rPr lang="hu-HU" dirty="0" smtClean="0"/>
+              <a:t>A jelenlegi algoritmus:</a:t>
+            </a:r>
+          </a:p>
+          <a:p>
+            <a:pPr marL="708660" lvl="1" indent="-342900">
+              <a:buFont typeface="+mj-lt"/>
+              <a:buAutoNum type="arabicPeriod"/>
+            </a:pPr>
+            <a:r>
+              <a:rPr lang="hu-HU" dirty="0" smtClean="0"/>
+              <a:t>A képet beolvassuk és szürkeárnyalatossá konvertáljuk</a:t>
+            </a:r>
+          </a:p>
+          <a:p>
+            <a:pPr marL="708660" lvl="1" indent="-342900">
+              <a:buFont typeface="+mj-lt"/>
+              <a:buAutoNum type="arabicPeriod"/>
+            </a:pPr>
+            <a:r>
+              <a:rPr lang="hu-HU" dirty="0" smtClean="0"/>
+              <a:t>Homályosítást alkalmazunk (Gaussi)</a:t>
+            </a:r>
+          </a:p>
+          <a:p>
+            <a:pPr marL="708660" lvl="1" indent="-342900">
+              <a:buFont typeface="+mj-lt"/>
+              <a:buAutoNum type="arabicPeriod"/>
+            </a:pPr>
+            <a:r>
+              <a:rPr lang="hu-HU" dirty="0" smtClean="0"/>
+              <a:t>Kétféle módon küszöbölünk [1]:</a:t>
+            </a:r>
+          </a:p>
+          <a:p>
+            <a:pPr lvl="2"/>
+            <a:r>
+              <a:rPr lang="hu-HU" dirty="0" smtClean="0"/>
+              <a:t>Adaptív küszöbölés: Itt először nyitást alkalmazunk zajcsökkentés érdekében, majd az OpenCV beépített </a:t>
+            </a:r>
+            <a:r>
+              <a:rPr lang="hu-HU" dirty="0" err="1" smtClean="0"/>
+              <a:t>adaptiveThreshold</a:t>
+            </a:r>
+            <a:r>
+              <a:rPr lang="hu-HU" dirty="0" smtClean="0"/>
+              <a:t> műveletét használjuk, majd zárást alkalmazunk</a:t>
+            </a:r>
+          </a:p>
+          <a:p>
+            <a:pPr lvl="2"/>
+            <a:r>
+              <a:rPr lang="hu-HU" dirty="0" err="1" smtClean="0"/>
+              <a:t>Otsu</a:t>
+            </a:r>
+            <a:r>
+              <a:rPr lang="hu-HU" dirty="0" smtClean="0"/>
+              <a:t> küszöbölés: Itt az </a:t>
+            </a:r>
+            <a:r>
+              <a:rPr lang="hu-HU" dirty="0" err="1" smtClean="0"/>
+              <a:t>Otsu</a:t>
+            </a:r>
+            <a:r>
+              <a:rPr lang="hu-HU" dirty="0" smtClean="0"/>
+              <a:t> algoritmus alapján használunk küszöbölést nyitás és zárás műveletek nélkül</a:t>
+            </a:r>
+          </a:p>
+          <a:p>
+            <a:pPr lvl="2"/>
+            <a:r>
+              <a:rPr lang="hu-HU" dirty="0" smtClean="0"/>
+              <a:t>A </a:t>
+            </a:r>
+            <a:r>
+              <a:rPr lang="hu-HU" dirty="0" err="1" smtClean="0"/>
+              <a:t>GUI-n</a:t>
+            </a:r>
+            <a:r>
+              <a:rPr lang="hu-HU" dirty="0" smtClean="0"/>
+              <a:t> keresztül ebből a két algoritmusból tudunk választani</a:t>
+            </a:r>
+          </a:p>
+          <a:p>
+            <a:pPr lvl="2"/>
+            <a:endParaRPr lang="hu-HU" dirty="0" smtClean="0"/>
+          </a:p>
+          <a:p>
+            <a:pPr lvl="1"/>
+            <a:endParaRPr lang="hu-HU" dirty="0" smtClean="0"/>
+          </a:p>
+          <a:p>
+            <a:pPr lvl="2"/>
+            <a:endParaRPr lang="hu-HU" dirty="0" smtClean="0"/>
+          </a:p>
+          <a:p>
+            <a:pPr lvl="1"/>
+            <a:endParaRPr lang="hu-HU" dirty="0"/>
+          </a:p>
+          <a:p>
+            <a:pPr>
+              <a:buNone/>
+            </a:pPr>
+            <a:endParaRPr lang="hu-HU" dirty="0" smtClean="0"/>
           </a:p>
         </p:txBody>
       </p:sp>
@@ -4246,7 +4545,7 @@
     </p:spTree>
     <p:extLst>
       <p:ext uri="{BB962C8B-B14F-4D97-AF65-F5344CB8AC3E}">
-        <p14:creationId xmlns:p14="http://schemas.microsoft.com/office/powerpoint/2010/main" val="2693229677"/>
+        <p14:creationId xmlns:p14="http://schemas.microsoft.com/office/powerpoint/2010/main" xmlns="" val="2693229677"/>
       </p:ext>
     </p:extLst>
   </p:cSld>
@@ -4275,7 +4574,7 @@
       </p:grpSpPr>
       <p:sp>
         <p:nvSpPr>
-          <p:cNvPr id="2" name="Content Placeholder 1"/>
+          <p:cNvPr id="2" name="Tartalom helye 1"/>
           <p:cNvSpPr>
             <a:spLocks noGrp="1"/>
           </p:cNvSpPr>
@@ -4285,123 +4584,116 @@
         </p:nvSpPr>
         <p:spPr/>
         <p:txBody>
-          <a:bodyPr/>
-          <a:lstStyle/>
-          <a:p>
-            <a:r>
-              <a:rPr lang="hu-HU" dirty="0" smtClean="0"/>
-              <a:t>Swingben készült</a:t>
-            </a:r>
-          </a:p>
-          <a:p>
-            <a:r>
-              <a:rPr lang="hu-HU" dirty="0" smtClean="0"/>
-              <a:t>Komponensei:</a:t>
-            </a:r>
-          </a:p>
-          <a:p>
-            <a:pPr lvl="1"/>
-            <a:r>
-              <a:rPr lang="hu-HU" dirty="0" smtClean="0"/>
-              <a:t>Tartalom méretétől függő nagyságú JFrame</a:t>
-            </a:r>
-          </a:p>
-          <a:p>
-            <a:pPr lvl="2"/>
-            <a:r>
-              <a:rPr lang="hu-HU" dirty="0" smtClean="0"/>
-              <a:t>Mindig a képernyő közepén van</a:t>
-            </a:r>
+          <a:bodyPr>
+            <a:normAutofit fontScale="92500" lnSpcReduction="10000"/>
+          </a:bodyPr>
+          <a:lstStyle/>
+          <a:p>
+            <a:r>
+              <a:rPr lang="hu-HU" dirty="0" smtClean="0"/>
+              <a:t>A jelenlegi algoritmus:</a:t>
+            </a:r>
+          </a:p>
+          <a:p>
+            <a:pPr marL="708660" lvl="1" indent="-342900">
+              <a:buFont typeface="+mj-lt"/>
+              <a:buAutoNum type="arabicPeriod" startAt="4"/>
+            </a:pPr>
+            <a:r>
+              <a:rPr lang="hu-HU" dirty="0" smtClean="0"/>
+              <a:t>Az OpenCV </a:t>
+            </a:r>
+            <a:r>
+              <a:rPr lang="hu-HU" dirty="0" err="1" smtClean="0"/>
+              <a:t>findContours</a:t>
+            </a:r>
+            <a:r>
+              <a:rPr lang="hu-HU" dirty="0" smtClean="0"/>
+              <a:t> műveletének segítségével megkeressük a képen a kontúrokat. Bár ezek a kontúrok zajmentesek, és már néhány előfeldolgozó lépést végrehajtottunk rajtuk, még jó eséllyel olyan kontúrokat is fogunk találni, amelyek nem igazi karakterhez tartoznak.</a:t>
+            </a:r>
+          </a:p>
+          <a:p>
+            <a:pPr marL="708660" lvl="1" indent="-342900">
+              <a:buFont typeface="+mj-lt"/>
+              <a:buAutoNum type="arabicPeriod" startAt="4"/>
+            </a:pPr>
+            <a:r>
+              <a:rPr lang="hu-HU" dirty="0" smtClean="0"/>
+              <a:t>Annak érdekében, hogy ezeket a kontúrokat kiszelektáljuk, a kontúrok különböző statisztikai jellemzőit vizsgáljuk [1]:</a:t>
+            </a:r>
+          </a:p>
+          <a:p>
+            <a:pPr marL="982980" lvl="2" indent="-342900"/>
+            <a:r>
+              <a:rPr lang="hu-HU" dirty="0" smtClean="0"/>
+              <a:t>Méret</a:t>
+            </a:r>
+          </a:p>
+          <a:p>
+            <a:pPr marL="982980" lvl="2" indent="-342900"/>
+            <a:r>
+              <a:rPr lang="hu-HU" dirty="0" smtClean="0"/>
+              <a:t>Telítettség</a:t>
+            </a:r>
+          </a:p>
+          <a:p>
+            <a:pPr marL="982980" lvl="2" indent="-342900"/>
+            <a:r>
+              <a:rPr lang="hu-HU" dirty="0" smtClean="0"/>
+              <a:t>Kompaktság</a:t>
+            </a:r>
+          </a:p>
+          <a:p>
+            <a:pPr marL="708660" lvl="1" indent="-342900">
+              <a:buFont typeface="+mj-lt"/>
+              <a:buAutoNum type="arabicPeriod" startAt="6"/>
+            </a:pPr>
+            <a:r>
+              <a:rPr lang="hu-HU" dirty="0" smtClean="0"/>
+              <a:t>Az ékezetes karakterek detektálásának érdekében módszert kerestünk az ékezetek a betű törzsével való összekötéséhez. A jelenleg implementált módszer az ékezet távolsága és mérete alapján köti össze a betű törzsével az ékezeteket, ügyelve arra, hogy a megfelelő betűvel történjen az uniózás. A </a:t>
+            </a:r>
+            <a:r>
+              <a:rPr lang="hu-HU" dirty="0" err="1" smtClean="0"/>
+              <a:t>GUI-n</a:t>
+            </a:r>
+            <a:r>
+              <a:rPr lang="hu-HU" dirty="0" smtClean="0"/>
+              <a:t> látható két paraméter az ékezetek detektálásának megkönnyítésére szolgál.</a:t>
+            </a:r>
+          </a:p>
+          <a:p>
+            <a:pPr marL="708660" lvl="1" indent="-342900">
+              <a:buFont typeface="+mj-lt"/>
+              <a:buAutoNum type="arabicPeriod" startAt="4"/>
+            </a:pPr>
             <a:endParaRPr lang="hu-HU" dirty="0"/>
           </a:p>
-          <a:p>
-            <a:pPr lvl="1"/>
-            <a:r>
-              <a:rPr lang="hu-HU" dirty="0" smtClean="0"/>
-              <a:t>Gomb, ami kattintásra egy JFileChooser-t hoz fel</a:t>
-            </a:r>
-          </a:p>
-          <a:p>
-            <a:pPr lvl="2"/>
-            <a:r>
-              <a:rPr lang="hu-HU" dirty="0" smtClean="0"/>
-              <a:t>Csak képek nyithatók meg vele</a:t>
-            </a:r>
-          </a:p>
-          <a:p>
-            <a:pPr lvl="2"/>
-            <a:r>
-              <a:rPr lang="hu-HU" dirty="0" smtClean="0"/>
-              <a:t>Ad egy thumbnailt a kiválasztott képről</a:t>
+        </p:txBody>
+      </p:sp>
+      <p:sp>
+        <p:nvSpPr>
+          <p:cNvPr id="3" name="Cím 2"/>
+          <p:cNvSpPr>
+            <a:spLocks noGrp="1"/>
+          </p:cNvSpPr>
+          <p:nvPr>
+            <p:ph type="title"/>
+          </p:nvPr>
+        </p:nvSpPr>
+        <p:spPr/>
+        <p:txBody>
+          <a:bodyPr/>
+          <a:lstStyle/>
+          <a:p>
+            <a:r>
+              <a:rPr lang="hu-HU" dirty="0" smtClean="0"/>
+              <a:t>Algoritmusok</a:t>
             </a:r>
             <a:endParaRPr lang="hu-HU" dirty="0"/>
           </a:p>
-          <a:p>
-            <a:pPr lvl="1"/>
-            <a:r>
-              <a:rPr lang="hu-HU" dirty="0" smtClean="0"/>
-              <a:t>JComboBox, amivel az algoritmust választhatjuk ki</a:t>
-            </a:r>
-          </a:p>
-          <a:p>
-            <a:pPr lvl="1"/>
-            <a:r>
-              <a:rPr lang="hu-HU" dirty="0" smtClean="0"/>
-              <a:t>Két JTextField: betűméret, sortávolság</a:t>
-            </a:r>
-          </a:p>
-          <a:p>
-            <a:pPr lvl="2"/>
-            <a:r>
-              <a:rPr lang="hu-HU" dirty="0" smtClean="0"/>
-              <a:t>Az algoritmusokat paraméterezik</a:t>
-            </a:r>
-          </a:p>
-          <a:p>
-            <a:pPr lvl="1"/>
-            <a:r>
-              <a:rPr lang="hu-HU" dirty="0" smtClean="0"/>
-              <a:t>Két JScrollPane</a:t>
-            </a:r>
-          </a:p>
-          <a:p>
-            <a:pPr lvl="2"/>
-            <a:r>
-              <a:rPr lang="hu-HU" dirty="0" smtClean="0"/>
-              <a:t>Az eredeti és az eredményképek megjelenítésére</a:t>
-            </a:r>
-          </a:p>
-        </p:txBody>
-      </p:sp>
-      <p:sp>
-        <p:nvSpPr>
-          <p:cNvPr id="3" name="Title 2"/>
-          <p:cNvSpPr>
-            <a:spLocks noGrp="1"/>
-          </p:cNvSpPr>
-          <p:nvPr>
-            <p:ph type="title"/>
-          </p:nvPr>
-        </p:nvSpPr>
-        <p:spPr/>
-        <p:txBody>
-          <a:bodyPr/>
-          <a:lstStyle/>
-          <a:p>
-            <a:r>
-              <a:rPr lang="hu-HU" dirty="0" smtClean="0"/>
-              <a:t>grafikus felület</a:t>
-            </a:r>
-            <a:endParaRPr lang="hu-HU" dirty="0"/>
-          </a:p>
         </p:txBody>
       </p:sp>
     </p:spTree>
-    <p:extLst>
-      <p:ext uri="{BB962C8B-B14F-4D97-AF65-F5344CB8AC3E}">
-        <p14:creationId xmlns:p14="http://schemas.microsoft.com/office/powerpoint/2010/main" val="1690814174"/>
-      </p:ext>
-    </p:extLst>
   </p:cSld>
   <p:clrMapOvr>
     <a:masterClrMapping/>
@@ -4441,8 +4733,89 @@
           <a:bodyPr/>
           <a:lstStyle/>
           <a:p>
+            <a:r>
+              <a:rPr lang="hu-HU" dirty="0" smtClean="0"/>
+              <a:t>Swingben készült</a:t>
+            </a:r>
+          </a:p>
+          <a:p>
+            <a:r>
+              <a:rPr lang="hu-HU" dirty="0" smtClean="0"/>
+              <a:t>Komponensei:</a:t>
+            </a:r>
+          </a:p>
+          <a:p>
+            <a:pPr lvl="1"/>
+            <a:r>
+              <a:rPr lang="hu-HU" dirty="0" smtClean="0"/>
+              <a:t>Tartalom méretétől függő nagyságú JFrame</a:t>
+            </a:r>
+          </a:p>
+          <a:p>
+            <a:pPr lvl="2"/>
+            <a:r>
+              <a:rPr lang="hu-HU" dirty="0" smtClean="0"/>
+              <a:t>Mindig a képernyő közepén van</a:t>
+            </a:r>
             <a:endParaRPr lang="hu-HU" dirty="0"/>
           </a:p>
+          <a:p>
+            <a:pPr lvl="1"/>
+            <a:r>
+              <a:rPr lang="hu-HU" dirty="0" smtClean="0"/>
+              <a:t>Gomb, ami kattintásra egy JFileChooser-t hoz fel</a:t>
+            </a:r>
+          </a:p>
+          <a:p>
+            <a:pPr lvl="2"/>
+            <a:r>
+              <a:rPr lang="hu-HU" dirty="0" smtClean="0"/>
+              <a:t>Csak képek nyithatók meg vele</a:t>
+            </a:r>
+          </a:p>
+          <a:p>
+            <a:pPr lvl="2"/>
+            <a:r>
+              <a:rPr lang="hu-HU" dirty="0" smtClean="0"/>
+              <a:t>Ad egy thumbnailt a kiválasztott képről</a:t>
+            </a:r>
+            <a:endParaRPr lang="hu-HU" dirty="0"/>
+          </a:p>
+          <a:p>
+            <a:pPr lvl="1"/>
+            <a:r>
+              <a:rPr lang="hu-HU" dirty="0" smtClean="0"/>
+              <a:t>JComboBox, amivel az algoritmust választhatjuk ki</a:t>
+            </a:r>
+          </a:p>
+          <a:p>
+            <a:pPr lvl="1"/>
+            <a:r>
+              <a:rPr lang="hu-HU" dirty="0" smtClean="0"/>
+              <a:t>Két JTextField: betűméret, sortávolság</a:t>
+            </a:r>
+          </a:p>
+          <a:p>
+            <a:pPr lvl="2"/>
+            <a:r>
+              <a:rPr lang="hu-HU" dirty="0" smtClean="0"/>
+              <a:t>Az algoritmusokat paraméterezik</a:t>
+            </a:r>
+          </a:p>
+          <a:p>
+            <a:pPr lvl="1"/>
+            <a:r>
+              <a:rPr lang="hu-HU" dirty="0" smtClean="0"/>
+              <a:t>Két JScrollPane</a:t>
+            </a:r>
+          </a:p>
+          <a:p>
+            <a:pPr lvl="2"/>
+            <a:r>
+              <a:rPr lang="hu-HU" dirty="0" smtClean="0"/>
+              <a:t>Az eredeti és az eredményképek megjelenítésére</a:t>
+            </a:r>
+          </a:p>
         </p:txBody>
       </p:sp>
       <p:sp>
@@ -4462,7 +4835,7 @@
           <a:p>
             <a:r>
               <a:rPr lang="hu-HU" dirty="0" smtClean="0"/>
-              <a:t>Összegzés</a:t>
+              <a:t>grafikus felület</a:t>
             </a:r>
             <a:endParaRPr lang="hu-HU" dirty="0"/>
           </a:p>
@@ -4471,7 +4844,7 @@
     </p:spTree>
     <p:extLst>
       <p:ext uri="{BB962C8B-B14F-4D97-AF65-F5344CB8AC3E}">
-        <p14:creationId xmlns:p14="http://schemas.microsoft.com/office/powerpoint/2010/main" val="1966524369"/>
+        <p14:creationId xmlns:p14="http://schemas.microsoft.com/office/powerpoint/2010/main" xmlns="" val="1690814174"/>
       </p:ext>
     </p:extLst>
   </p:cSld>
@@ -4500,6 +4873,198 @@
       </p:grpSpPr>
       <p:sp>
         <p:nvSpPr>
+          <p:cNvPr id="3" name="Cím 2"/>
+          <p:cNvSpPr>
+            <a:spLocks noGrp="1"/>
+          </p:cNvSpPr>
+          <p:nvPr>
+            <p:ph type="title"/>
+          </p:nvPr>
+        </p:nvSpPr>
+        <p:spPr/>
+        <p:txBody>
+          <a:bodyPr/>
+          <a:lstStyle/>
+          <a:p>
+            <a:r>
+              <a:rPr lang="hu-HU" dirty="0" smtClean="0"/>
+              <a:t>Néhány tesztkép</a:t>
+            </a:r>
+            <a:endParaRPr lang="hu-HU" dirty="0"/>
+          </a:p>
+        </p:txBody>
+      </p:sp>
+      <p:pic>
+        <p:nvPicPr>
+          <p:cNvPr id="4" name="Kép 3" descr="teszt4.jpg"/>
+          <p:cNvPicPr>
+            <a:picLocks noChangeAspect="1"/>
+          </p:cNvPicPr>
+          <p:nvPr/>
+        </p:nvPicPr>
+        <p:blipFill>
+          <a:blip r:embed="rId2" cstate="print"/>
+          <a:stretch>
+            <a:fillRect/>
+          </a:stretch>
+        </p:blipFill>
+        <p:spPr>
+          <a:xfrm>
+            <a:off x="323528" y="2420888"/>
+            <a:ext cx="4176464" cy="3371337"/>
+          </a:xfrm>
+          <a:prstGeom prst="rect">
+            <a:avLst/>
+          </a:prstGeom>
+        </p:spPr>
+      </p:pic>
+      <p:pic>
+        <p:nvPicPr>
+          <p:cNvPr id="5" name="Kép 4" descr="teszt4_ered.jpg"/>
+          <p:cNvPicPr>
+            <a:picLocks noChangeAspect="1"/>
+          </p:cNvPicPr>
+          <p:nvPr/>
+        </p:nvPicPr>
+        <p:blipFill>
+          <a:blip r:embed="rId3" cstate="print"/>
+          <a:stretch>
+            <a:fillRect/>
+          </a:stretch>
+        </p:blipFill>
+        <p:spPr>
+          <a:xfrm>
+            <a:off x="4644008" y="2420888"/>
+            <a:ext cx="4210282" cy="3398636"/>
+          </a:xfrm>
+          <a:prstGeom prst="rect">
+            <a:avLst/>
+          </a:prstGeom>
+        </p:spPr>
+      </p:pic>
+    </p:spTree>
+  </p:cSld>
+  <p:clrMapOvr>
+    <a:masterClrMapping/>
+  </p:clrMapOvr>
+</p:sld>
+</file>
+
+<file path=ppt/slides/slide8.xml><?xml version="1.0" encoding="utf-8"?>
+<p:sld xmlns:a="http://schemas.openxmlformats.org/drawingml/2006/main" xmlns:r="http://schemas.openxmlformats.org/officeDocument/2006/relationships" xmlns:p="http://schemas.openxmlformats.org/presentationml/2006/main">
+  <p:cSld>
+    <p:spTree>
+      <p:nvGrpSpPr>
+        <p:cNvPr id="1" name=""/>
+        <p:cNvGrpSpPr/>
+        <p:nvPr/>
+      </p:nvGrpSpPr>
+      <p:grpSpPr>
+        <a:xfrm>
+          <a:off x="0" y="0"/>
+          <a:ext cx="0" cy="0"/>
+          <a:chOff x="0" y="0"/>
+          <a:chExt cx="0" cy="0"/>
+        </a:xfrm>
+      </p:grpSpPr>
+      <p:sp>
+        <p:nvSpPr>
+          <p:cNvPr id="3" name="Cím 2"/>
+          <p:cNvSpPr>
+            <a:spLocks noGrp="1"/>
+          </p:cNvSpPr>
+          <p:nvPr>
+            <p:ph type="title"/>
+          </p:nvPr>
+        </p:nvSpPr>
+        <p:spPr/>
+        <p:txBody>
+          <a:bodyPr/>
+          <a:lstStyle/>
+          <a:p>
+            <a:r>
+              <a:rPr lang="hu-HU" dirty="0" smtClean="0"/>
+              <a:t>Néhány tesztkép</a:t>
+            </a:r>
+            <a:endParaRPr lang="hu-HU" dirty="0"/>
+          </a:p>
+        </p:txBody>
+      </p:sp>
+      <p:pic>
+        <p:nvPicPr>
+          <p:cNvPr id="5" name="Kép 4" descr="teszt2_ered.jpg"/>
+          <p:cNvPicPr>
+            <a:picLocks noChangeAspect="1"/>
+          </p:cNvPicPr>
+          <p:nvPr/>
+        </p:nvPicPr>
+        <p:blipFill>
+          <a:blip r:embed="rId2" cstate="print"/>
+          <a:stretch>
+            <a:fillRect/>
+          </a:stretch>
+        </p:blipFill>
+        <p:spPr>
+          <a:xfrm>
+            <a:off x="5148064" y="2420888"/>
+            <a:ext cx="3269566" cy="4005064"/>
+          </a:xfrm>
+          <a:prstGeom prst="rect">
+            <a:avLst/>
+          </a:prstGeom>
+        </p:spPr>
+      </p:pic>
+      <p:pic>
+        <p:nvPicPr>
+          <p:cNvPr id="6" name="Kép 5" descr="wiki.png"/>
+          <p:cNvPicPr>
+            <a:picLocks noChangeAspect="1"/>
+          </p:cNvPicPr>
+          <p:nvPr/>
+        </p:nvPicPr>
+        <p:blipFill>
+          <a:blip r:embed="rId3" cstate="print"/>
+          <a:stretch>
+            <a:fillRect/>
+          </a:stretch>
+        </p:blipFill>
+        <p:spPr>
+          <a:xfrm>
+            <a:off x="1115616" y="2420888"/>
+            <a:ext cx="3240360" cy="3969289"/>
+          </a:xfrm>
+          <a:prstGeom prst="rect">
+            <a:avLst/>
+          </a:prstGeom>
+        </p:spPr>
+      </p:pic>
+    </p:spTree>
+  </p:cSld>
+  <p:clrMapOvr>
+    <a:masterClrMapping/>
+  </p:clrMapOvr>
+</p:sld>
+</file>
+
+<file path=ppt/slides/slide9.xml><?xml version="1.0" encoding="utf-8"?>
+<p:sld xmlns:a="http://schemas.openxmlformats.org/drawingml/2006/main" xmlns:r="http://schemas.openxmlformats.org/officeDocument/2006/relationships" xmlns:p="http://schemas.openxmlformats.org/presentationml/2006/main">
+  <p:cSld>
+    <p:spTree>
+      <p:nvGrpSpPr>
+        <p:cNvPr id="1" name=""/>
+        <p:cNvGrpSpPr/>
+        <p:nvPr/>
+      </p:nvGrpSpPr>
+      <p:grpSpPr>
+        <a:xfrm>
+          <a:off x="0" y="0"/>
+          <a:ext cx="0" cy="0"/>
+          <a:chOff x="0" y="0"/>
+          <a:chExt cx="0" cy="0"/>
+        </a:xfrm>
+      </p:grpSpPr>
+      <p:sp>
+        <p:nvSpPr>
           <p:cNvPr id="2" name="Content Placeholder 1"/>
           <p:cNvSpPr>
             <a:spLocks noGrp="1"/>
@@ -4513,6 +5078,10 @@
           <a:bodyPr/>
           <a:lstStyle/>
           <a:p>
+            <a:r>
+              <a:rPr lang="hu-HU" dirty="0" smtClean="0"/>
+              <a:t>Célunk egy olyan algoritmus megalkotása volt, mely nyomtatott szkennelt képen jól detektálja a karaktereket. A maximális hatékonyság sajnos nagyon paraméterfüggő, ezek többszöri tesztelése esetén kaphatunk közelítőleg jó eredményt. A képek a tesztjeink során nem voltak érzékenyek a forgatásra.</a:t>
+            </a:r>
             <a:endParaRPr lang="hu-HU" dirty="0"/>
           </a:p>
         </p:txBody>
@@ -4534,7 +5103,7 @@
           <a:p>
             <a:r>
               <a:rPr lang="hu-HU" dirty="0" smtClean="0"/>
-              <a:t>Köszönjük a figyelmet!</a:t>
+              <a:t>Összegzés</a:t>
             </a:r>
             <a:endParaRPr lang="hu-HU" dirty="0"/>
           </a:p>
@@ -4543,7 +5112,7 @@
     </p:spTree>
     <p:extLst>
       <p:ext uri="{BB962C8B-B14F-4D97-AF65-F5344CB8AC3E}">
-        <p14:creationId xmlns:p14="http://schemas.microsoft.com/office/powerpoint/2010/main" val="910561984"/>
+        <p14:creationId xmlns:p14="http://schemas.microsoft.com/office/powerpoint/2010/main" xmlns="" val="1966524369"/>
       </p:ext>
     </p:extLst>
   </p:cSld>
